--- a/3_설계/3. Class/1차/2140710_클래스설계 1차취합_이선민.pptx
+++ b/3_설계/3. Class/1차/2140710_클래스설계 1차취합_이선민.pptx
@@ -198,7 +198,7 @@
           <a:p>
             <a:fld id="{F8FB233D-4B7B-42D9-8857-F1637E3FFD00}" type="datetimeFigureOut">
               <a:rPr lang="ko-KR" altLang="en-US" smtClean="0"/>
-              <a:t>2014-07-10</a:t>
+              <a:t>2014-07-11</a:t>
             </a:fld>
             <a:endParaRPr lang="ko-KR" altLang="en-US"/>
           </a:p>
@@ -731,7 +731,7 @@
           <a:p>
             <a:fld id="{63D73312-AFD4-442B-9ADD-E40DCC5F7C81}" type="datetimeFigureOut">
               <a:rPr lang="ko-KR" altLang="en-US" smtClean="0"/>
-              <a:t>2014-07-10</a:t>
+              <a:t>2014-07-11</a:t>
             </a:fld>
             <a:endParaRPr lang="ko-KR" altLang="en-US"/>
           </a:p>
@@ -901,7 +901,7 @@
           <a:p>
             <a:fld id="{63D73312-AFD4-442B-9ADD-E40DCC5F7C81}" type="datetimeFigureOut">
               <a:rPr lang="ko-KR" altLang="en-US" smtClean="0"/>
-              <a:t>2014-07-10</a:t>
+              <a:t>2014-07-11</a:t>
             </a:fld>
             <a:endParaRPr lang="ko-KR" altLang="en-US"/>
           </a:p>
@@ -1081,7 +1081,7 @@
           <a:p>
             <a:fld id="{63D73312-AFD4-442B-9ADD-E40DCC5F7C81}" type="datetimeFigureOut">
               <a:rPr lang="ko-KR" altLang="en-US" smtClean="0"/>
-              <a:t>2014-07-10</a:t>
+              <a:t>2014-07-11</a:t>
             </a:fld>
             <a:endParaRPr lang="ko-KR" altLang="en-US"/>
           </a:p>
@@ -1251,7 +1251,7 @@
           <a:p>
             <a:fld id="{63D73312-AFD4-442B-9ADD-E40DCC5F7C81}" type="datetimeFigureOut">
               <a:rPr lang="ko-KR" altLang="en-US" smtClean="0"/>
-              <a:t>2014-07-10</a:t>
+              <a:t>2014-07-11</a:t>
             </a:fld>
             <a:endParaRPr lang="ko-KR" altLang="en-US"/>
           </a:p>
@@ -1497,7 +1497,7 @@
           <a:p>
             <a:fld id="{63D73312-AFD4-442B-9ADD-E40DCC5F7C81}" type="datetimeFigureOut">
               <a:rPr lang="ko-KR" altLang="en-US" smtClean="0"/>
-              <a:t>2014-07-10</a:t>
+              <a:t>2014-07-11</a:t>
             </a:fld>
             <a:endParaRPr lang="ko-KR" altLang="en-US"/>
           </a:p>
@@ -1785,7 +1785,7 @@
           <a:p>
             <a:fld id="{63D73312-AFD4-442B-9ADD-E40DCC5F7C81}" type="datetimeFigureOut">
               <a:rPr lang="ko-KR" altLang="en-US" smtClean="0"/>
-              <a:t>2014-07-10</a:t>
+              <a:t>2014-07-11</a:t>
             </a:fld>
             <a:endParaRPr lang="ko-KR" altLang="en-US"/>
           </a:p>
@@ -2207,7 +2207,7 @@
           <a:p>
             <a:fld id="{63D73312-AFD4-442B-9ADD-E40DCC5F7C81}" type="datetimeFigureOut">
               <a:rPr lang="ko-KR" altLang="en-US" smtClean="0"/>
-              <a:t>2014-07-10</a:t>
+              <a:t>2014-07-11</a:t>
             </a:fld>
             <a:endParaRPr lang="ko-KR" altLang="en-US"/>
           </a:p>
@@ -2325,7 +2325,7 @@
           <a:p>
             <a:fld id="{63D73312-AFD4-442B-9ADD-E40DCC5F7C81}" type="datetimeFigureOut">
               <a:rPr lang="ko-KR" altLang="en-US" smtClean="0"/>
-              <a:t>2014-07-10</a:t>
+              <a:t>2014-07-11</a:t>
             </a:fld>
             <a:endParaRPr lang="ko-KR" altLang="en-US"/>
           </a:p>
@@ -2420,7 +2420,7 @@
           <a:p>
             <a:fld id="{63D73312-AFD4-442B-9ADD-E40DCC5F7C81}" type="datetimeFigureOut">
               <a:rPr lang="ko-KR" altLang="en-US" smtClean="0"/>
-              <a:t>2014-07-10</a:t>
+              <a:t>2014-07-11</a:t>
             </a:fld>
             <a:endParaRPr lang="ko-KR" altLang="en-US"/>
           </a:p>
@@ -2697,7 +2697,7 @@
           <a:p>
             <a:fld id="{63D73312-AFD4-442B-9ADD-E40DCC5F7C81}" type="datetimeFigureOut">
               <a:rPr lang="ko-KR" altLang="en-US" smtClean="0"/>
-              <a:t>2014-07-10</a:t>
+              <a:t>2014-07-11</a:t>
             </a:fld>
             <a:endParaRPr lang="ko-KR" altLang="en-US"/>
           </a:p>
@@ -2950,7 +2950,7 @@
           <a:p>
             <a:fld id="{63D73312-AFD4-442B-9ADD-E40DCC5F7C81}" type="datetimeFigureOut">
               <a:rPr lang="ko-KR" altLang="en-US" smtClean="0"/>
-              <a:t>2014-07-10</a:t>
+              <a:t>2014-07-11</a:t>
             </a:fld>
             <a:endParaRPr lang="ko-KR" altLang="en-US"/>
           </a:p>
@@ -3172,7 +3172,7 @@
           <a:p>
             <a:fld id="{63D73312-AFD4-442B-9ADD-E40DCC5F7C81}" type="datetimeFigureOut">
               <a:rPr lang="ko-KR" altLang="en-US" smtClean="0"/>
-              <a:t>2014-07-10</a:t>
+              <a:t>2014-07-11</a:t>
             </a:fld>
             <a:endParaRPr lang="ko-KR" altLang="en-US"/>
           </a:p>
@@ -3593,7 +3593,7 @@
                 <a:latin typeface="휴먼둥근헤드라인" pitchFamily="18" charset="-127"/>
                 <a:ea typeface="휴먼둥근헤드라인" pitchFamily="18" charset="-127"/>
               </a:rPr>
-              <a:t>Class Design</a:t>
+              <a:t>Architecture</a:t>
             </a:r>
             <a:endParaRPr lang="ko-KR" altLang="en-US" sz="3600" b="1" dirty="0">
               <a:solidFill>
@@ -7010,14 +7010,7 @@
                 <a:latin typeface="새굴림" pitchFamily="18" charset="-127"/>
                 <a:ea typeface="새굴림" pitchFamily="18" charset="-127"/>
               </a:rPr>
-              <a:t>설계 </a:t>
-            </a:r>
-            <a:r>
-              <a:rPr lang="ko-KR" altLang="en-US" sz="1400" b="1" dirty="0" smtClean="0">
-                <a:latin typeface="새굴림" pitchFamily="18" charset="-127"/>
-                <a:ea typeface="새굴림" pitchFamily="18" charset="-127"/>
-              </a:rPr>
-              <a:t>개요</a:t>
+              <a:t>설계 개요</a:t>
             </a:r>
             <a:endParaRPr lang="ko-KR" altLang="en-US" sz="1400" b="1" dirty="0">
               <a:latin typeface="새굴림" pitchFamily="18" charset="-127"/>
@@ -7347,13 +7340,7 @@
               <a:rPr lang="en-US" altLang="ko-KR" sz="1200" dirty="0" err="1" smtClean="0">
                 <a:latin typeface="+mn-ea"/>
               </a:rPr>
-              <a:t>Command</a:t>
-            </a:r>
-            <a:r>
-              <a:rPr lang="en-US" altLang="ko-KR" sz="1200" dirty="0" err="1" smtClean="0">
-                <a:latin typeface="+mn-ea"/>
-              </a:rPr>
-              <a:t>Factory</a:t>
+              <a:t>CommandFactory</a:t>
             </a:r>
             <a:endParaRPr lang="en-US" altLang="ko-KR" sz="1200" dirty="0" smtClean="0">
               <a:latin typeface="+mn-ea"/>
@@ -9886,23 +9873,8 @@
                 </a:solidFill>
                 <a:latin typeface="+mn-ea"/>
               </a:rPr>
-              <a:t>() : </a:t>
-            </a:r>
-            <a:r>
-              <a:rPr lang="en-US" altLang="ko-KR" sz="1000" dirty="0" smtClean="0">
-                <a:solidFill>
-                  <a:schemeClr val="tx1"/>
-                </a:solidFill>
-                <a:latin typeface="+mn-ea"/>
-              </a:rPr>
-              <a:t>void</a:t>
-            </a:r>
-            <a:endParaRPr lang="en-US" altLang="ko-KR" sz="1000" dirty="0" smtClean="0">
-              <a:solidFill>
-                <a:schemeClr val="tx1"/>
-              </a:solidFill>
-              <a:latin typeface="+mn-ea"/>
-            </a:endParaRPr>
+              <a:t>() : void</a:t>
+            </a:r>
           </a:p>
         </p:txBody>
       </p:sp>
@@ -10088,14 +10060,7 @@
                 <a:latin typeface="+mj-lt"/>
                 <a:ea typeface="굴림" pitchFamily="50" charset="-127"/>
               </a:rPr>
-              <a:t>  &lt;&lt;</a:t>
-            </a:r>
-            <a:r>
-              <a:rPr lang="en-US" altLang="ko-KR" sz="1000" b="1" dirty="0" smtClean="0">
-                <a:latin typeface="+mj-lt"/>
-                <a:ea typeface="굴림" pitchFamily="50" charset="-127"/>
-              </a:rPr>
-              <a:t>interface&gt;&gt;  </a:t>
+              <a:t>  &lt;&lt;interface&gt;&gt;  </a:t>
             </a:r>
           </a:p>
           <a:p>
@@ -10277,9 +10242,6 @@
               </a:rPr>
               <a:t>response </a:t>
             </a:r>
-            <a:endParaRPr lang="en-US" altLang="ko-KR" sz="1000" dirty="0">
-              <a:latin typeface="+mn-ea"/>
-            </a:endParaRPr>
           </a:p>
         </p:txBody>
       </p:sp>
@@ -10692,7 +10654,16 @@
                 </a:solidFill>
                 <a:latin typeface="+mn-ea"/>
               </a:rPr>
-              <a:t>getU</a:t>
+              <a:t>getUpdateProduct</a:t>
+            </a:r>
+            <a:r>
+              <a:rPr lang="en-US" altLang="ko-KR" sz="800" dirty="0" smtClean="0">
+                <a:solidFill>
+                  <a:schemeClr val="tx1"/>
+                </a:solidFill>
+                <a:latin typeface="+mn-ea"/>
+              </a:rPr>
+              <a:t>(</a:t>
             </a:r>
             <a:r>
               <a:rPr lang="en-US" altLang="ko-KR" sz="800" dirty="0" err="1" smtClean="0">
@@ -10701,7 +10672,7 @@
                 </a:solidFill>
                 <a:latin typeface="+mn-ea"/>
               </a:rPr>
-              <a:t>pdateProduct</a:t>
+              <a:t>product_id,product_name,product_picture,category_id,customer_id</a:t>
             </a:r>
             <a:r>
               <a:rPr lang="en-US" altLang="ko-KR" sz="800" dirty="0" smtClean="0">
@@ -10710,6 +10681,35 @@
                 </a:solidFill>
                 <a:latin typeface="+mn-ea"/>
               </a:rPr>
+              <a:t>) : void</a:t>
+            </a:r>
+          </a:p>
+          <a:p>
+            <a:r>
+              <a:rPr lang="en-US" altLang="ko-KR" sz="800" dirty="0" smtClean="0">
+                <a:solidFill>
+                  <a:schemeClr val="tx1"/>
+                </a:solidFill>
+                <a:latin typeface="+mn-ea"/>
+              </a:rPr>
+              <a:t>+</a:t>
+            </a:r>
+            <a:r>
+              <a:rPr lang="en-US" altLang="ko-KR" sz="800" dirty="0" err="1" smtClean="0">
+                <a:solidFill>
+                  <a:schemeClr val="tx1"/>
+                </a:solidFill>
+                <a:latin typeface="+mn-ea"/>
+              </a:rPr>
+              <a:t>getDeleteProdct</a:t>
+            </a:r>
+            <a:r>
+              <a:rPr lang="en-US" altLang="ko-KR" sz="800" dirty="0" smtClean="0">
+                <a:solidFill>
+                  <a:schemeClr val="tx1"/>
+                </a:solidFill>
+                <a:latin typeface="+mn-ea"/>
+              </a:rPr>
               <a:t>(</a:t>
             </a:r>
             <a:r>
@@ -10719,7 +10719,7 @@
                 </a:solidFill>
                 <a:latin typeface="+mn-ea"/>
               </a:rPr>
-              <a:t>product_id,product_name,product_picture,category_id,customer_id</a:t>
+              <a:t>product_id</a:t>
             </a:r>
             <a:r>
               <a:rPr lang="en-US" altLang="ko-KR" sz="800" dirty="0" smtClean="0">
@@ -10728,61 +10728,8 @@
                 </a:solidFill>
                 <a:latin typeface="+mn-ea"/>
               </a:rPr>
-              <a:t>) : void</a:t>
-            </a:r>
-          </a:p>
-          <a:p>
-            <a:r>
-              <a:rPr lang="en-US" altLang="ko-KR" sz="800" dirty="0" smtClean="0">
-                <a:solidFill>
-                  <a:schemeClr val="tx1"/>
-                </a:solidFill>
-                <a:latin typeface="+mn-ea"/>
-              </a:rPr>
-              <a:t>+</a:t>
-            </a:r>
-            <a:r>
-              <a:rPr lang="en-US" altLang="ko-KR" sz="800" dirty="0" err="1" smtClean="0">
-                <a:solidFill>
-                  <a:schemeClr val="tx1"/>
-                </a:solidFill>
-                <a:latin typeface="+mn-ea"/>
-              </a:rPr>
-              <a:t>getDeleteProdct</a:t>
-            </a:r>
-            <a:r>
-              <a:rPr lang="en-US" altLang="ko-KR" sz="800" dirty="0" smtClean="0">
-                <a:solidFill>
-                  <a:schemeClr val="tx1"/>
-                </a:solidFill>
-                <a:latin typeface="+mn-ea"/>
-              </a:rPr>
-              <a:t>(</a:t>
-            </a:r>
-            <a:r>
-              <a:rPr lang="en-US" altLang="ko-KR" sz="800" dirty="0" err="1" smtClean="0">
-                <a:solidFill>
-                  <a:schemeClr val="tx1"/>
-                </a:solidFill>
-                <a:latin typeface="+mn-ea"/>
-              </a:rPr>
-              <a:t>product_id</a:t>
-            </a:r>
-            <a:r>
-              <a:rPr lang="en-US" altLang="ko-KR" sz="800" dirty="0" smtClean="0">
-                <a:solidFill>
-                  <a:schemeClr val="tx1"/>
-                </a:solidFill>
-                <a:latin typeface="+mn-ea"/>
-              </a:rPr>
               <a:t>):void</a:t>
             </a:r>
-            <a:endParaRPr lang="en-US" altLang="ko-KR" sz="800" dirty="0" smtClean="0">
-              <a:solidFill>
-                <a:schemeClr val="tx1"/>
-              </a:solidFill>
-              <a:latin typeface="+mn-ea"/>
-            </a:endParaRPr>
           </a:p>
           <a:p>
             <a:endParaRPr lang="en-US" altLang="ko-KR" sz="900" dirty="0" smtClean="0">
@@ -11430,12 +11377,6 @@
               </a:rPr>
               <a:t>):void</a:t>
             </a:r>
-            <a:endParaRPr lang="en-US" altLang="ko-KR" sz="800" dirty="0" smtClean="0">
-              <a:solidFill>
-                <a:schemeClr val="tx1"/>
-              </a:solidFill>
-              <a:latin typeface="+mn-ea"/>
-            </a:endParaRPr>
           </a:p>
           <a:p>
             <a:endParaRPr lang="en-US" altLang="ko-KR" sz="900" dirty="0" smtClean="0">
@@ -12705,12 +12646,6 @@
               </a:rPr>
               <a:t>):void</a:t>
             </a:r>
-            <a:endParaRPr lang="en-US" altLang="ko-KR" sz="800" dirty="0" smtClean="0">
-              <a:solidFill>
-                <a:schemeClr val="tx1"/>
-              </a:solidFill>
-              <a:latin typeface="+mn-ea"/>
-            </a:endParaRPr>
           </a:p>
           <a:p>
             <a:endParaRPr lang="en-US" altLang="ko-KR" sz="800" dirty="0" smtClean="0">
@@ -14137,14 +14072,7 @@
                 <a:latin typeface="+mj-lt"/>
                 <a:ea typeface="굴림" pitchFamily="50" charset="-127"/>
               </a:rPr>
-              <a:t>&lt;&lt;</a:t>
-            </a:r>
-            <a:r>
-              <a:rPr lang="en-US" altLang="ko-KR" sz="1000" dirty="0" smtClean="0">
-                <a:latin typeface="+mj-lt"/>
-                <a:ea typeface="굴림" pitchFamily="50" charset="-127"/>
-              </a:rPr>
-              <a:t>interface&gt;&gt;  </a:t>
+              <a:t>&lt;&lt;interface&gt;&gt;  </a:t>
             </a:r>
           </a:p>
           <a:p>

--- a/3_설계/3. Class/1차/2140710_클래스설계 1차취합_이선민.pptx
+++ b/3_설계/3. Class/1차/2140710_클래스설계 1차취합_이선민.pptx
@@ -198,7 +198,7 @@
           <a:p>
             <a:fld id="{F8FB233D-4B7B-42D9-8857-F1637E3FFD00}" type="datetimeFigureOut">
               <a:rPr lang="ko-KR" altLang="en-US" smtClean="0"/>
-              <a:t>2014-07-11</a:t>
+              <a:t>2014-07-10</a:t>
             </a:fld>
             <a:endParaRPr lang="ko-KR" altLang="en-US"/>
           </a:p>
@@ -731,7 +731,7 @@
           <a:p>
             <a:fld id="{63D73312-AFD4-442B-9ADD-E40DCC5F7C81}" type="datetimeFigureOut">
               <a:rPr lang="ko-KR" altLang="en-US" smtClean="0"/>
-              <a:t>2014-07-11</a:t>
+              <a:t>2014-07-10</a:t>
             </a:fld>
             <a:endParaRPr lang="ko-KR" altLang="en-US"/>
           </a:p>
@@ -901,7 +901,7 @@
           <a:p>
             <a:fld id="{63D73312-AFD4-442B-9ADD-E40DCC5F7C81}" type="datetimeFigureOut">
               <a:rPr lang="ko-KR" altLang="en-US" smtClean="0"/>
-              <a:t>2014-07-11</a:t>
+              <a:t>2014-07-10</a:t>
             </a:fld>
             <a:endParaRPr lang="ko-KR" altLang="en-US"/>
           </a:p>
@@ -1081,7 +1081,7 @@
           <a:p>
             <a:fld id="{63D73312-AFD4-442B-9ADD-E40DCC5F7C81}" type="datetimeFigureOut">
               <a:rPr lang="ko-KR" altLang="en-US" smtClean="0"/>
-              <a:t>2014-07-11</a:t>
+              <a:t>2014-07-10</a:t>
             </a:fld>
             <a:endParaRPr lang="ko-KR" altLang="en-US"/>
           </a:p>
@@ -1251,7 +1251,7 @@
           <a:p>
             <a:fld id="{63D73312-AFD4-442B-9ADD-E40DCC5F7C81}" type="datetimeFigureOut">
               <a:rPr lang="ko-KR" altLang="en-US" smtClean="0"/>
-              <a:t>2014-07-11</a:t>
+              <a:t>2014-07-10</a:t>
             </a:fld>
             <a:endParaRPr lang="ko-KR" altLang="en-US"/>
           </a:p>
@@ -1497,7 +1497,7 @@
           <a:p>
             <a:fld id="{63D73312-AFD4-442B-9ADD-E40DCC5F7C81}" type="datetimeFigureOut">
               <a:rPr lang="ko-KR" altLang="en-US" smtClean="0"/>
-              <a:t>2014-07-11</a:t>
+              <a:t>2014-07-10</a:t>
             </a:fld>
             <a:endParaRPr lang="ko-KR" altLang="en-US"/>
           </a:p>
@@ -1785,7 +1785,7 @@
           <a:p>
             <a:fld id="{63D73312-AFD4-442B-9ADD-E40DCC5F7C81}" type="datetimeFigureOut">
               <a:rPr lang="ko-KR" altLang="en-US" smtClean="0"/>
-              <a:t>2014-07-11</a:t>
+              <a:t>2014-07-10</a:t>
             </a:fld>
             <a:endParaRPr lang="ko-KR" altLang="en-US"/>
           </a:p>
@@ -2207,7 +2207,7 @@
           <a:p>
             <a:fld id="{63D73312-AFD4-442B-9ADD-E40DCC5F7C81}" type="datetimeFigureOut">
               <a:rPr lang="ko-KR" altLang="en-US" smtClean="0"/>
-              <a:t>2014-07-11</a:t>
+              <a:t>2014-07-10</a:t>
             </a:fld>
             <a:endParaRPr lang="ko-KR" altLang="en-US"/>
           </a:p>
@@ -2325,7 +2325,7 @@
           <a:p>
             <a:fld id="{63D73312-AFD4-442B-9ADD-E40DCC5F7C81}" type="datetimeFigureOut">
               <a:rPr lang="ko-KR" altLang="en-US" smtClean="0"/>
-              <a:t>2014-07-11</a:t>
+              <a:t>2014-07-10</a:t>
             </a:fld>
             <a:endParaRPr lang="ko-KR" altLang="en-US"/>
           </a:p>
@@ -2420,7 +2420,7 @@
           <a:p>
             <a:fld id="{63D73312-AFD4-442B-9ADD-E40DCC5F7C81}" type="datetimeFigureOut">
               <a:rPr lang="ko-KR" altLang="en-US" smtClean="0"/>
-              <a:t>2014-07-11</a:t>
+              <a:t>2014-07-10</a:t>
             </a:fld>
             <a:endParaRPr lang="ko-KR" altLang="en-US"/>
           </a:p>
@@ -2697,7 +2697,7 @@
           <a:p>
             <a:fld id="{63D73312-AFD4-442B-9ADD-E40DCC5F7C81}" type="datetimeFigureOut">
               <a:rPr lang="ko-KR" altLang="en-US" smtClean="0"/>
-              <a:t>2014-07-11</a:t>
+              <a:t>2014-07-10</a:t>
             </a:fld>
             <a:endParaRPr lang="ko-KR" altLang="en-US"/>
           </a:p>
@@ -2950,7 +2950,7 @@
           <a:p>
             <a:fld id="{63D73312-AFD4-442B-9ADD-E40DCC5F7C81}" type="datetimeFigureOut">
               <a:rPr lang="ko-KR" altLang="en-US" smtClean="0"/>
-              <a:t>2014-07-11</a:t>
+              <a:t>2014-07-10</a:t>
             </a:fld>
             <a:endParaRPr lang="ko-KR" altLang="en-US"/>
           </a:p>
@@ -3172,7 +3172,7 @@
           <a:p>
             <a:fld id="{63D73312-AFD4-442B-9ADD-E40DCC5F7C81}" type="datetimeFigureOut">
               <a:rPr lang="ko-KR" altLang="en-US" smtClean="0"/>
-              <a:t>2014-07-11</a:t>
+              <a:t>2014-07-10</a:t>
             </a:fld>
             <a:endParaRPr lang="ko-KR" altLang="en-US"/>
           </a:p>
@@ -3593,7 +3593,7 @@
                 <a:latin typeface="휴먼둥근헤드라인" pitchFamily="18" charset="-127"/>
                 <a:ea typeface="휴먼둥근헤드라인" pitchFamily="18" charset="-127"/>
               </a:rPr>
-              <a:t>Architecture</a:t>
+              <a:t>Class Design</a:t>
             </a:r>
             <a:endParaRPr lang="ko-KR" altLang="en-US" sz="3600" b="1" dirty="0">
               <a:solidFill>
@@ -7010,7 +7010,14 @@
                 <a:latin typeface="새굴림" pitchFamily="18" charset="-127"/>
                 <a:ea typeface="새굴림" pitchFamily="18" charset="-127"/>
               </a:rPr>
-              <a:t>설계 개요</a:t>
+              <a:t>설계 </a:t>
+            </a:r>
+            <a:r>
+              <a:rPr lang="ko-KR" altLang="en-US" sz="1400" b="1" dirty="0" smtClean="0">
+                <a:latin typeface="새굴림" pitchFamily="18" charset="-127"/>
+                <a:ea typeface="새굴림" pitchFamily="18" charset="-127"/>
+              </a:rPr>
+              <a:t>개요</a:t>
             </a:r>
             <a:endParaRPr lang="ko-KR" altLang="en-US" sz="1400" b="1" dirty="0">
               <a:latin typeface="새굴림" pitchFamily="18" charset="-127"/>
@@ -7340,7 +7347,13 @@
               <a:rPr lang="en-US" altLang="ko-KR" sz="1200" dirty="0" err="1" smtClean="0">
                 <a:latin typeface="+mn-ea"/>
               </a:rPr>
-              <a:t>CommandFactory</a:t>
+              <a:t>Command</a:t>
+            </a:r>
+            <a:r>
+              <a:rPr lang="en-US" altLang="ko-KR" sz="1200" dirty="0" err="1" smtClean="0">
+                <a:latin typeface="+mn-ea"/>
+              </a:rPr>
+              <a:t>Factory</a:t>
             </a:r>
             <a:endParaRPr lang="en-US" altLang="ko-KR" sz="1200" dirty="0" smtClean="0">
               <a:latin typeface="+mn-ea"/>
@@ -9873,8 +9886,23 @@
                 </a:solidFill>
                 <a:latin typeface="+mn-ea"/>
               </a:rPr>
-              <a:t>() : void</a:t>
-            </a:r>
+              <a:t>() : </a:t>
+            </a:r>
+            <a:r>
+              <a:rPr lang="en-US" altLang="ko-KR" sz="1000" dirty="0" smtClean="0">
+                <a:solidFill>
+                  <a:schemeClr val="tx1"/>
+                </a:solidFill>
+                <a:latin typeface="+mn-ea"/>
+              </a:rPr>
+              <a:t>void</a:t>
+            </a:r>
+            <a:endParaRPr lang="en-US" altLang="ko-KR" sz="1000" dirty="0" smtClean="0">
+              <a:solidFill>
+                <a:schemeClr val="tx1"/>
+              </a:solidFill>
+              <a:latin typeface="+mn-ea"/>
+            </a:endParaRPr>
           </a:p>
         </p:txBody>
       </p:sp>
@@ -10060,7 +10088,14 @@
                 <a:latin typeface="+mj-lt"/>
                 <a:ea typeface="굴림" pitchFamily="50" charset="-127"/>
               </a:rPr>
-              <a:t>  &lt;&lt;interface&gt;&gt;  </a:t>
+              <a:t>  &lt;&lt;</a:t>
+            </a:r>
+            <a:r>
+              <a:rPr lang="en-US" altLang="ko-KR" sz="1000" b="1" dirty="0" smtClean="0">
+                <a:latin typeface="+mj-lt"/>
+                <a:ea typeface="굴림" pitchFamily="50" charset="-127"/>
+              </a:rPr>
+              <a:t>interface&gt;&gt;  </a:t>
             </a:r>
           </a:p>
           <a:p>
@@ -10242,6 +10277,9 @@
               </a:rPr>
               <a:t>response </a:t>
             </a:r>
+            <a:endParaRPr lang="en-US" altLang="ko-KR" sz="1000" dirty="0">
+              <a:latin typeface="+mn-ea"/>
+            </a:endParaRPr>
           </a:p>
         </p:txBody>
       </p:sp>
@@ -10654,7 +10692,16 @@
                 </a:solidFill>
                 <a:latin typeface="+mn-ea"/>
               </a:rPr>
-              <a:t>getUpdateProduct</a:t>
+              <a:t>getU</a:t>
+            </a:r>
+            <a:r>
+              <a:rPr lang="en-US" altLang="ko-KR" sz="800" dirty="0" err="1" smtClean="0">
+                <a:solidFill>
+                  <a:schemeClr val="tx1"/>
+                </a:solidFill>
+                <a:latin typeface="+mn-ea"/>
+              </a:rPr>
+              <a:t>pdateProduct</a:t>
             </a:r>
             <a:r>
               <a:rPr lang="en-US" altLang="ko-KR" sz="800" dirty="0" smtClean="0">
@@ -10730,6 +10777,12 @@
               </a:rPr>
               <a:t>):void</a:t>
             </a:r>
+            <a:endParaRPr lang="en-US" altLang="ko-KR" sz="800" dirty="0" smtClean="0">
+              <a:solidFill>
+                <a:schemeClr val="tx1"/>
+              </a:solidFill>
+              <a:latin typeface="+mn-ea"/>
+            </a:endParaRPr>
           </a:p>
           <a:p>
             <a:endParaRPr lang="en-US" altLang="ko-KR" sz="900" dirty="0" smtClean="0">
@@ -11377,6 +11430,12 @@
               </a:rPr>
               <a:t>):void</a:t>
             </a:r>
+            <a:endParaRPr lang="en-US" altLang="ko-KR" sz="800" dirty="0" smtClean="0">
+              <a:solidFill>
+                <a:schemeClr val="tx1"/>
+              </a:solidFill>
+              <a:latin typeface="+mn-ea"/>
+            </a:endParaRPr>
           </a:p>
           <a:p>
             <a:endParaRPr lang="en-US" altLang="ko-KR" sz="900" dirty="0" smtClean="0">
@@ -12646,6 +12705,12 @@
               </a:rPr>
               <a:t>):void</a:t>
             </a:r>
+            <a:endParaRPr lang="en-US" altLang="ko-KR" sz="800" dirty="0" smtClean="0">
+              <a:solidFill>
+                <a:schemeClr val="tx1"/>
+              </a:solidFill>
+              <a:latin typeface="+mn-ea"/>
+            </a:endParaRPr>
           </a:p>
           <a:p>
             <a:endParaRPr lang="en-US" altLang="ko-KR" sz="800" dirty="0" smtClean="0">
@@ -14072,7 +14137,14 @@
                 <a:latin typeface="+mj-lt"/>
                 <a:ea typeface="굴림" pitchFamily="50" charset="-127"/>
               </a:rPr>
-              <a:t>&lt;&lt;interface&gt;&gt;  </a:t>
+              <a:t>&lt;&lt;</a:t>
+            </a:r>
+            <a:r>
+              <a:rPr lang="en-US" altLang="ko-KR" sz="1000" dirty="0" smtClean="0">
+                <a:latin typeface="+mj-lt"/>
+                <a:ea typeface="굴림" pitchFamily="50" charset="-127"/>
+              </a:rPr>
+              <a:t>interface&gt;&gt;  </a:t>
             </a:r>
           </a:p>
           <a:p>
